--- a/docs/songs/heart of worship.pptx
+++ b/docs/songs/heart of worship.pptx
@@ -6,10 +6,12 @@
   </p:sldMasterIdLst>
   <p:sldIdLst>
     <p:sldId id="518" r:id="rId2"/>
-    <p:sldId id="520" r:id="rId3"/>
-    <p:sldId id="521" r:id="rId4"/>
-    <p:sldId id="522" r:id="rId5"/>
-    <p:sldId id="523" r:id="rId6"/>
+    <p:sldId id="1281" r:id="rId3"/>
+    <p:sldId id="1282" r:id="rId4"/>
+    <p:sldId id="1283" r:id="rId5"/>
+    <p:sldId id="1284" r:id="rId6"/>
+    <p:sldId id="1285" r:id="rId7"/>
+    <p:sldId id="1286" r:id="rId8"/>
   </p:sldIdLst>
   <p:sldSz cx="9144000" cy="6858000" type="screen4x3"/>
   <p:notesSz cx="6858000" cy="9144000"/>
@@ -309,7 +311,7 @@
             <a:fld id="{26EA1CF3-4A15-4CBF-9A5A-6A56C368BE71}" type="datetimeFigureOut">
               <a:rPr lang="en-GB" smtClean="0"/>
               <a:pPr/>
-              <a:t>28/11/2022</a:t>
+              <a:t>30/09/2024</a:t>
             </a:fld>
             <a:endParaRPr lang="en-GB"/>
           </a:p>
@@ -476,7 +478,7 @@
             <a:fld id="{26EA1CF3-4A15-4CBF-9A5A-6A56C368BE71}" type="datetimeFigureOut">
               <a:rPr lang="en-GB" smtClean="0"/>
               <a:pPr/>
-              <a:t>28/11/2022</a:t>
+              <a:t>30/09/2024</a:t>
             </a:fld>
             <a:endParaRPr lang="en-GB"/>
           </a:p>
@@ -653,7 +655,7 @@
             <a:fld id="{26EA1CF3-4A15-4CBF-9A5A-6A56C368BE71}" type="datetimeFigureOut">
               <a:rPr lang="en-GB" smtClean="0"/>
               <a:pPr/>
-              <a:t>28/11/2022</a:t>
+              <a:t>30/09/2024</a:t>
             </a:fld>
             <a:endParaRPr lang="en-GB"/>
           </a:p>
@@ -820,7 +822,7 @@
             <a:fld id="{26EA1CF3-4A15-4CBF-9A5A-6A56C368BE71}" type="datetimeFigureOut">
               <a:rPr lang="en-GB" smtClean="0"/>
               <a:pPr/>
-              <a:t>28/11/2022</a:t>
+              <a:t>30/09/2024</a:t>
             </a:fld>
             <a:endParaRPr lang="en-GB"/>
           </a:p>
@@ -1063,7 +1065,7 @@
             <a:fld id="{26EA1CF3-4A15-4CBF-9A5A-6A56C368BE71}" type="datetimeFigureOut">
               <a:rPr lang="en-GB" smtClean="0"/>
               <a:pPr/>
-              <a:t>28/11/2022</a:t>
+              <a:t>30/09/2024</a:t>
             </a:fld>
             <a:endParaRPr lang="en-GB"/>
           </a:p>
@@ -1348,7 +1350,7 @@
             <a:fld id="{26EA1CF3-4A15-4CBF-9A5A-6A56C368BE71}" type="datetimeFigureOut">
               <a:rPr lang="en-GB" smtClean="0"/>
               <a:pPr/>
-              <a:t>28/11/2022</a:t>
+              <a:t>30/09/2024</a:t>
             </a:fld>
             <a:endParaRPr lang="en-GB"/>
           </a:p>
@@ -1767,7 +1769,7 @@
             <a:fld id="{26EA1CF3-4A15-4CBF-9A5A-6A56C368BE71}" type="datetimeFigureOut">
               <a:rPr lang="en-GB" smtClean="0"/>
               <a:pPr/>
-              <a:t>28/11/2022</a:t>
+              <a:t>30/09/2024</a:t>
             </a:fld>
             <a:endParaRPr lang="en-GB"/>
           </a:p>
@@ -1882,7 +1884,7 @@
             <a:fld id="{26EA1CF3-4A15-4CBF-9A5A-6A56C368BE71}" type="datetimeFigureOut">
               <a:rPr lang="en-GB" smtClean="0"/>
               <a:pPr/>
-              <a:t>28/11/2022</a:t>
+              <a:t>30/09/2024</a:t>
             </a:fld>
             <a:endParaRPr lang="en-GB"/>
           </a:p>
@@ -1974,7 +1976,7 @@
             <a:fld id="{26EA1CF3-4A15-4CBF-9A5A-6A56C368BE71}" type="datetimeFigureOut">
               <a:rPr lang="en-GB" smtClean="0"/>
               <a:pPr/>
-              <a:t>28/11/2022</a:t>
+              <a:t>30/09/2024</a:t>
             </a:fld>
             <a:endParaRPr lang="en-GB"/>
           </a:p>
@@ -2248,7 +2250,7 @@
             <a:fld id="{26EA1CF3-4A15-4CBF-9A5A-6A56C368BE71}" type="datetimeFigureOut">
               <a:rPr lang="en-GB" smtClean="0"/>
               <a:pPr/>
-              <a:t>28/11/2022</a:t>
+              <a:t>30/09/2024</a:t>
             </a:fld>
             <a:endParaRPr lang="en-GB"/>
           </a:p>
@@ -2498,7 +2500,7 @@
             <a:fld id="{26EA1CF3-4A15-4CBF-9A5A-6A56C368BE71}" type="datetimeFigureOut">
               <a:rPr lang="en-GB" smtClean="0"/>
               <a:pPr/>
-              <a:t>28/11/2022</a:t>
+              <a:t>30/09/2024</a:t>
             </a:fld>
             <a:endParaRPr lang="en-GB"/>
           </a:p>
@@ -2711,7 +2713,7 @@
             <a:fld id="{26EA1CF3-4A15-4CBF-9A5A-6A56C368BE71}" type="datetimeFigureOut">
               <a:rPr lang="en-GB" smtClean="0"/>
               <a:pPr/>
-              <a:t>28/11/2022</a:t>
+              <a:t>30/09/2024</a:t>
             </a:fld>
             <a:endParaRPr lang="en-GB"/>
           </a:p>
@@ -3267,7 +3269,7 @@
         </p:nvSpPr>
         <p:spPr>
           <a:xfrm>
-            <a:off x="323528" y="188640"/>
+            <a:off x="203118" y="692696"/>
             <a:ext cx="8640960" cy="6480720"/>
           </a:xfrm>
         </p:spPr>
@@ -3278,7 +3280,7 @@
           <a:lstStyle/>
           <a:p>
             <a:r>
-              <a:rPr lang="en-GB" sz="4000" dirty="0">
+              <a:rPr lang="en-GB" sz="3600" dirty="0">
                 <a:solidFill>
                   <a:schemeClr val="bg1"/>
                 </a:solidFill>
@@ -3288,7 +3290,7 @@
           </a:p>
           <a:p>
             <a:r>
-              <a:rPr lang="en-GB" sz="4000" dirty="0">
+              <a:rPr lang="en-GB" sz="3600" dirty="0">
                 <a:solidFill>
                   <a:schemeClr val="bg1"/>
                 </a:solidFill>
@@ -3298,7 +3300,7 @@
           </a:p>
           <a:p>
             <a:r>
-              <a:rPr lang="en-GB" sz="4000" dirty="0">
+              <a:rPr lang="en-GB" sz="3600" dirty="0">
                 <a:solidFill>
                   <a:schemeClr val="bg1"/>
                 </a:solidFill>
@@ -3308,7 +3310,7 @@
           </a:p>
           <a:p>
             <a:r>
-              <a:rPr lang="en-GB" sz="4000" dirty="0">
+              <a:rPr lang="en-GB" sz="3600" dirty="0">
                 <a:solidFill>
                   <a:schemeClr val="bg1"/>
                 </a:solidFill>
@@ -3346,7 +3348,7 @@
                   <a:schemeClr val="bg1"/>
                 </a:solidFill>
               </a:rPr>
-              <a:t>1/4</a:t>
+              <a:t>1/6</a:t>
             </a:r>
           </a:p>
         </p:txBody>
@@ -3354,7 +3356,7 @@
     </p:spTree>
     <p:extLst>
       <p:ext uri="{BB962C8B-B14F-4D97-AF65-F5344CB8AC3E}">
-        <p14:creationId xmlns:p14="http://schemas.microsoft.com/office/powerpoint/2010/main" val="2175635830"/>
+        <p14:creationId xmlns:p14="http://schemas.microsoft.com/office/powerpoint/2010/main" val="4225582275"/>
       </p:ext>
     </p:extLst>
   </p:cSld>
@@ -3393,7 +3395,7 @@
         </p:nvSpPr>
         <p:spPr>
           <a:xfrm>
-            <a:off x="323528" y="188640"/>
+            <a:off x="251520" y="836712"/>
             <a:ext cx="8640960" cy="6480720"/>
           </a:xfrm>
         </p:spPr>
@@ -3404,7 +3406,7 @@
           <a:lstStyle/>
           <a:p>
             <a:r>
-              <a:rPr lang="en-GB" sz="4000" dirty="0">
+              <a:rPr lang="en-GB" sz="3600" dirty="0">
                 <a:solidFill>
                   <a:schemeClr val="bg1"/>
                 </a:solidFill>
@@ -3414,7 +3416,7 @@
           </a:p>
           <a:p>
             <a:r>
-              <a:rPr lang="en-GB" sz="4000" dirty="0">
+              <a:rPr lang="en-GB" sz="3600" dirty="0">
                 <a:solidFill>
                   <a:schemeClr val="bg1"/>
                 </a:solidFill>
@@ -3424,7 +3426,7 @@
           </a:p>
           <a:p>
             <a:r>
-              <a:rPr lang="en-GB" sz="4000" dirty="0">
+              <a:rPr lang="en-GB" sz="3600" dirty="0">
                 <a:solidFill>
                   <a:schemeClr val="bg1"/>
                 </a:solidFill>
@@ -3434,7 +3436,7 @@
           </a:p>
           <a:p>
             <a:r>
-              <a:rPr lang="en-GB" sz="4000" dirty="0">
+              <a:rPr lang="en-GB" sz="3600" dirty="0">
                 <a:solidFill>
                   <a:schemeClr val="bg1"/>
                 </a:solidFill>
@@ -3444,7 +3446,7 @@
           </a:p>
           <a:p>
             <a:r>
-              <a:rPr lang="en-GB" sz="4000" dirty="0">
+              <a:rPr lang="en-GB" sz="3600" dirty="0">
                 <a:solidFill>
                   <a:schemeClr val="bg1"/>
                 </a:solidFill>
@@ -3482,7 +3484,7 @@
                   <a:schemeClr val="bg1"/>
                 </a:solidFill>
               </a:rPr>
-              <a:t>2/4</a:t>
+              <a:t>2/6</a:t>
             </a:r>
           </a:p>
         </p:txBody>
@@ -3529,7 +3531,7 @@
         </p:nvSpPr>
         <p:spPr>
           <a:xfrm>
-            <a:off x="323528" y="188640"/>
+            <a:off x="395536" y="764704"/>
             <a:ext cx="8640960" cy="6480720"/>
           </a:xfrm>
         </p:spPr>
@@ -3540,7 +3542,7 @@
           <a:lstStyle/>
           <a:p>
             <a:r>
-              <a:rPr lang="en-GB" sz="4000" dirty="0">
+              <a:rPr lang="en-GB" sz="3600" dirty="0">
                 <a:solidFill>
                   <a:schemeClr val="bg1"/>
                 </a:solidFill>
@@ -3550,7 +3552,7 @@
           </a:p>
           <a:p>
             <a:r>
-              <a:rPr lang="en-GB" sz="4000" dirty="0">
+              <a:rPr lang="en-GB" sz="3600" dirty="0">
                 <a:solidFill>
                   <a:schemeClr val="bg1"/>
                 </a:solidFill>
@@ -3560,7 +3562,7 @@
           </a:p>
           <a:p>
             <a:r>
-              <a:rPr lang="en-GB" sz="4000" dirty="0">
+              <a:rPr lang="en-GB" sz="3600" dirty="0">
                 <a:solidFill>
                   <a:schemeClr val="bg1"/>
                 </a:solidFill>
@@ -3570,7 +3572,7 @@
           </a:p>
           <a:p>
             <a:r>
-              <a:rPr lang="en-GB" sz="4000" dirty="0">
+              <a:rPr lang="en-GB" sz="3600" dirty="0">
                 <a:solidFill>
                   <a:schemeClr val="bg1"/>
                 </a:solidFill>
@@ -3608,7 +3610,7 @@
                   <a:schemeClr val="bg1"/>
                 </a:solidFill>
               </a:rPr>
-              <a:t>3/4</a:t>
+              <a:t>3/6</a:t>
             </a:r>
           </a:p>
         </p:txBody>
@@ -3655,7 +3657,7 @@
         </p:nvSpPr>
         <p:spPr>
           <a:xfrm>
-            <a:off x="323528" y="188640"/>
+            <a:off x="395536" y="692696"/>
             <a:ext cx="8640960" cy="6480720"/>
           </a:xfrm>
         </p:spPr>
@@ -3666,7 +3668,7 @@
           <a:lstStyle/>
           <a:p>
             <a:r>
-              <a:rPr lang="en-GB" sz="4000" dirty="0">
+              <a:rPr lang="en-GB" sz="3600" dirty="0">
                 <a:solidFill>
                   <a:schemeClr val="bg1"/>
                 </a:solidFill>
@@ -3676,7 +3678,7 @@
           </a:p>
           <a:p>
             <a:r>
-              <a:rPr lang="en-GB" sz="4000" dirty="0">
+              <a:rPr lang="en-GB" sz="3600" dirty="0">
                 <a:solidFill>
                   <a:schemeClr val="bg1"/>
                 </a:solidFill>
@@ -3686,7 +3688,7 @@
           </a:p>
           <a:p>
             <a:r>
-              <a:rPr lang="en-GB" sz="4000" dirty="0">
+              <a:rPr lang="en-GB" sz="3600" dirty="0">
                 <a:solidFill>
                   <a:schemeClr val="bg1"/>
                 </a:solidFill>
@@ -3696,7 +3698,7 @@
           </a:p>
           <a:p>
             <a:r>
-              <a:rPr lang="en-GB" sz="4000" dirty="0" err="1">
+              <a:rPr lang="en-GB" sz="3600" dirty="0" err="1">
                 <a:solidFill>
                   <a:schemeClr val="bg1"/>
                 </a:solidFill>
@@ -3704,7 +3706,7 @@
               <a:t>Ev'ry</a:t>
             </a:r>
             <a:r>
-              <a:rPr lang="en-GB" sz="4000" dirty="0">
+              <a:rPr lang="en-GB" sz="3600" dirty="0">
                 <a:solidFill>
                   <a:schemeClr val="bg1"/>
                 </a:solidFill>
@@ -3742,7 +3744,7 @@
                   <a:schemeClr val="bg1"/>
                 </a:solidFill>
               </a:rPr>
-              <a:t>4/4</a:t>
+              <a:t>4/6</a:t>
             </a:r>
           </a:p>
         </p:txBody>
@@ -3751,6 +3753,268 @@
     <p:extLst>
       <p:ext uri="{BB962C8B-B14F-4D97-AF65-F5344CB8AC3E}">
         <p14:creationId xmlns:p14="http://schemas.microsoft.com/office/powerpoint/2010/main" val="4174602401"/>
+      </p:ext>
+    </p:extLst>
+  </p:cSld>
+  <p:clrMapOvr>
+    <a:masterClrMapping/>
+  </p:clrMapOvr>
+</p:sld>
+</file>
+
+<file path=ppt/slides/slide6.xml><?xml version="1.0" encoding="utf-8"?>
+<p:sld xmlns:a="http://schemas.openxmlformats.org/drawingml/2006/main" xmlns:r="http://schemas.openxmlformats.org/officeDocument/2006/relationships" xmlns:p="http://schemas.openxmlformats.org/presentationml/2006/main">
+  <p:cSld>
+    <p:spTree>
+      <p:nvGrpSpPr>
+        <p:cNvPr id="1" name=""/>
+        <p:cNvGrpSpPr/>
+        <p:nvPr/>
+      </p:nvGrpSpPr>
+      <p:grpSpPr>
+        <a:xfrm>
+          <a:off x="0" y="0"/>
+          <a:ext cx="0" cy="0"/>
+          <a:chOff x="0" y="0"/>
+          <a:chExt cx="0" cy="0"/>
+        </a:xfrm>
+      </p:grpSpPr>
+      <p:sp>
+        <p:nvSpPr>
+          <p:cNvPr id="3" name="Subtitle 2"/>
+          <p:cNvSpPr>
+            <a:spLocks noGrp="1"/>
+          </p:cNvSpPr>
+          <p:nvPr>
+            <p:ph type="subTitle" idx="1"/>
+          </p:nvPr>
+        </p:nvSpPr>
+        <p:spPr>
+          <a:xfrm>
+            <a:off x="251520" y="836712"/>
+            <a:ext cx="8640960" cy="6480720"/>
+          </a:xfrm>
+        </p:spPr>
+        <p:txBody>
+          <a:bodyPr>
+            <a:noAutofit/>
+          </a:bodyPr>
+          <a:lstStyle/>
+          <a:p>
+            <a:r>
+              <a:rPr lang="en-GB" sz="3600" dirty="0">
+                <a:solidFill>
+                  <a:schemeClr val="bg1"/>
+                </a:solidFill>
+              </a:rPr>
+              <a:t>I'll bring You more than a song</a:t>
+            </a:r>
+          </a:p>
+          <a:p>
+            <a:r>
+              <a:rPr lang="en-GB" sz="3600" dirty="0">
+                <a:solidFill>
+                  <a:schemeClr val="bg1"/>
+                </a:solidFill>
+              </a:rPr>
+              <a:t>For a song in itself is not what You have required</a:t>
+            </a:r>
+          </a:p>
+          <a:p>
+            <a:r>
+              <a:rPr lang="en-GB" sz="3600" dirty="0">
+                <a:solidFill>
+                  <a:schemeClr val="bg1"/>
+                </a:solidFill>
+              </a:rPr>
+              <a:t>You search much deeper within</a:t>
+            </a:r>
+          </a:p>
+          <a:p>
+            <a:r>
+              <a:rPr lang="en-GB" sz="3600" dirty="0">
+                <a:solidFill>
+                  <a:schemeClr val="bg1"/>
+                </a:solidFill>
+              </a:rPr>
+              <a:t>Through the way things appear</a:t>
+            </a:r>
+          </a:p>
+          <a:p>
+            <a:r>
+              <a:rPr lang="en-GB" sz="3600" dirty="0">
+                <a:solidFill>
+                  <a:schemeClr val="bg1"/>
+                </a:solidFill>
+              </a:rPr>
+              <a:t>You're looking into my heart</a:t>
+            </a:r>
+          </a:p>
+        </p:txBody>
+      </p:sp>
+      <p:sp>
+        <p:nvSpPr>
+          <p:cNvPr id="4" name="TextBox 3"/>
+          <p:cNvSpPr txBox="1"/>
+          <p:nvPr/>
+        </p:nvSpPr>
+        <p:spPr>
+          <a:xfrm>
+            <a:off x="8529729" y="0"/>
+            <a:ext cx="628698" cy="461665"/>
+          </a:xfrm>
+          <a:prstGeom prst="rect">
+            <a:avLst/>
+          </a:prstGeom>
+          <a:noFill/>
+        </p:spPr>
+        <p:txBody>
+          <a:bodyPr wrap="none" rtlCol="0">
+            <a:spAutoFit/>
+          </a:bodyPr>
+          <a:lstStyle/>
+          <a:p>
+            <a:r>
+              <a:rPr lang="en-GB" sz="2400" b="1" dirty="0">
+                <a:solidFill>
+                  <a:schemeClr val="bg1"/>
+                </a:solidFill>
+              </a:rPr>
+              <a:t>5/6</a:t>
+            </a:r>
+          </a:p>
+        </p:txBody>
+      </p:sp>
+    </p:spTree>
+    <p:extLst>
+      <p:ext uri="{BB962C8B-B14F-4D97-AF65-F5344CB8AC3E}">
+        <p14:creationId xmlns:p14="http://schemas.microsoft.com/office/powerpoint/2010/main" val="2373438507"/>
+      </p:ext>
+    </p:extLst>
+  </p:cSld>
+  <p:clrMapOvr>
+    <a:masterClrMapping/>
+  </p:clrMapOvr>
+</p:sld>
+</file>
+
+<file path=ppt/slides/slide7.xml><?xml version="1.0" encoding="utf-8"?>
+<p:sld xmlns:a="http://schemas.openxmlformats.org/drawingml/2006/main" xmlns:r="http://schemas.openxmlformats.org/officeDocument/2006/relationships" xmlns:p="http://schemas.openxmlformats.org/presentationml/2006/main">
+  <p:cSld>
+    <p:spTree>
+      <p:nvGrpSpPr>
+        <p:cNvPr id="1" name=""/>
+        <p:cNvGrpSpPr/>
+        <p:nvPr/>
+      </p:nvGrpSpPr>
+      <p:grpSpPr>
+        <a:xfrm>
+          <a:off x="0" y="0"/>
+          <a:ext cx="0" cy="0"/>
+          <a:chOff x="0" y="0"/>
+          <a:chExt cx="0" cy="0"/>
+        </a:xfrm>
+      </p:grpSpPr>
+      <p:sp>
+        <p:nvSpPr>
+          <p:cNvPr id="3" name="Subtitle 2"/>
+          <p:cNvSpPr>
+            <a:spLocks noGrp="1"/>
+          </p:cNvSpPr>
+          <p:nvPr>
+            <p:ph type="subTitle" idx="1"/>
+          </p:nvPr>
+        </p:nvSpPr>
+        <p:spPr>
+          <a:xfrm>
+            <a:off x="395536" y="764704"/>
+            <a:ext cx="8640960" cy="6480720"/>
+          </a:xfrm>
+        </p:spPr>
+        <p:txBody>
+          <a:bodyPr>
+            <a:noAutofit/>
+          </a:bodyPr>
+          <a:lstStyle/>
+          <a:p>
+            <a:r>
+              <a:rPr lang="en-GB" sz="3600" dirty="0">
+                <a:solidFill>
+                  <a:schemeClr val="bg1"/>
+                </a:solidFill>
+              </a:rPr>
+              <a:t>I'm coming back to the heart of worship</a:t>
+            </a:r>
+          </a:p>
+          <a:p>
+            <a:r>
+              <a:rPr lang="en-GB" sz="3600" dirty="0">
+                <a:solidFill>
+                  <a:schemeClr val="bg1"/>
+                </a:solidFill>
+              </a:rPr>
+              <a:t>And it's all about You all about You Jesus</a:t>
+            </a:r>
+          </a:p>
+          <a:p>
+            <a:r>
+              <a:rPr lang="en-GB" sz="3600" dirty="0">
+                <a:solidFill>
+                  <a:schemeClr val="bg1"/>
+                </a:solidFill>
+              </a:rPr>
+              <a:t>I'm sorry Lord for the thing I've made it</a:t>
+            </a:r>
+          </a:p>
+          <a:p>
+            <a:r>
+              <a:rPr lang="en-GB" sz="3600" dirty="0">
+                <a:solidFill>
+                  <a:schemeClr val="bg1"/>
+                </a:solidFill>
+              </a:rPr>
+              <a:t>When it's all about You all about You Jesus</a:t>
+            </a:r>
+          </a:p>
+        </p:txBody>
+      </p:sp>
+      <p:sp>
+        <p:nvSpPr>
+          <p:cNvPr id="4" name="TextBox 3"/>
+          <p:cNvSpPr txBox="1"/>
+          <p:nvPr/>
+        </p:nvSpPr>
+        <p:spPr>
+          <a:xfrm>
+            <a:off x="8529729" y="0"/>
+            <a:ext cx="628698" cy="461665"/>
+          </a:xfrm>
+          <a:prstGeom prst="rect">
+            <a:avLst/>
+          </a:prstGeom>
+          <a:noFill/>
+        </p:spPr>
+        <p:txBody>
+          <a:bodyPr wrap="none" rtlCol="0">
+            <a:spAutoFit/>
+          </a:bodyPr>
+          <a:lstStyle/>
+          <a:p>
+            <a:r>
+              <a:rPr lang="en-GB" sz="2400" b="1" dirty="0">
+                <a:solidFill>
+                  <a:schemeClr val="bg1"/>
+                </a:solidFill>
+              </a:rPr>
+              <a:t>6/6</a:t>
+            </a:r>
+          </a:p>
+        </p:txBody>
+      </p:sp>
+    </p:spTree>
+    <p:extLst>
+      <p:ext uri="{BB962C8B-B14F-4D97-AF65-F5344CB8AC3E}">
+        <p14:creationId xmlns:p14="http://schemas.microsoft.com/office/powerpoint/2010/main" val="4198726899"/>
       </p:ext>
     </p:extLst>
   </p:cSld>
